--- a/w3/w3_OOP_2021.pptx
+++ b/w3/w3_OOP_2021.pptx
@@ -208,7 +208,7 @@
           <a:p>
             <a:fld id="{AD28B2EF-1A80-4400-AB53-58D44E3FB11E}" type="datetimeFigureOut">
               <a:rPr lang="tr-TR" smtClean="0"/>
-              <a:t>7.03.2021</a:t>
+              <a:t>21.03.2021</a:t>
             </a:fld>
             <a:endParaRPr lang="tr-TR"/>
           </a:p>
@@ -530,7 +530,7 @@
             <a:spLocks noGrp="1"/>
           </p:cNvSpPr>
           <p:nvPr>
-            <p:ph type="sldNum" sz="quarter" idx="10"/>
+            <p:ph type="sldNum" sz="quarter" idx="5"/>
           </p:nvPr>
         </p:nvSpPr>
         <p:spPr/>
@@ -540,7 +540,7 @@
           <a:p>
             <a:fld id="{F3DFF3B7-CDDD-40F1-9E00-2CA7C72128F3}" type="slidenum">
               <a:rPr lang="tr-TR" smtClean="0"/>
-              <a:t>2</a:t>
+              <a:t>1</a:t>
             </a:fld>
             <a:endParaRPr lang="tr-TR"/>
           </a:p>
@@ -549,7 +549,7 @@
     </p:spTree>
     <p:extLst>
       <p:ext uri="{BB962C8B-B14F-4D97-AF65-F5344CB8AC3E}">
-        <p14:creationId xmlns:p14="http://schemas.microsoft.com/office/powerpoint/2010/main" val="1194898149"/>
+        <p14:creationId xmlns:p14="http://schemas.microsoft.com/office/powerpoint/2010/main" val="990007512"/>
       </p:ext>
     </p:extLst>
   </p:cSld>
@@ -624,7 +624,7 @@
           <a:p>
             <a:fld id="{F3DFF3B7-CDDD-40F1-9E00-2CA7C72128F3}" type="slidenum">
               <a:rPr lang="tr-TR" smtClean="0"/>
-              <a:t>3</a:t>
+              <a:t>2</a:t>
             </a:fld>
             <a:endParaRPr lang="tr-TR"/>
           </a:p>
@@ -633,7 +633,7 @@
     </p:spTree>
     <p:extLst>
       <p:ext uri="{BB962C8B-B14F-4D97-AF65-F5344CB8AC3E}">
-        <p14:creationId xmlns:p14="http://schemas.microsoft.com/office/powerpoint/2010/main" val="3922036164"/>
+        <p14:creationId xmlns:p14="http://schemas.microsoft.com/office/powerpoint/2010/main" val="1194898149"/>
       </p:ext>
     </p:extLst>
   </p:cSld>
@@ -708,7 +708,7 @@
           <a:p>
             <a:fld id="{F3DFF3B7-CDDD-40F1-9E00-2CA7C72128F3}" type="slidenum">
               <a:rPr lang="tr-TR" smtClean="0"/>
-              <a:t>4</a:t>
+              <a:t>3</a:t>
             </a:fld>
             <a:endParaRPr lang="tr-TR"/>
           </a:p>
@@ -717,7 +717,7 @@
     </p:spTree>
     <p:extLst>
       <p:ext uri="{BB962C8B-B14F-4D97-AF65-F5344CB8AC3E}">
-        <p14:creationId xmlns:p14="http://schemas.microsoft.com/office/powerpoint/2010/main" val="39644430"/>
+        <p14:creationId xmlns:p14="http://schemas.microsoft.com/office/powerpoint/2010/main" val="3922036164"/>
       </p:ext>
     </p:extLst>
   </p:cSld>
@@ -771,7 +771,7 @@
           <a:bodyPr/>
           <a:lstStyle/>
           <a:p>
-            <a:endParaRPr lang="en-US"/>
+            <a:endParaRPr lang="en-US" dirty="0"/>
           </a:p>
         </p:txBody>
       </p:sp>
@@ -792,7 +792,7 @@
           <a:p>
             <a:fld id="{F3DFF3B7-CDDD-40F1-9E00-2CA7C72128F3}" type="slidenum">
               <a:rPr lang="tr-TR" smtClean="0"/>
-              <a:t>7</a:t>
+              <a:t>4</a:t>
             </a:fld>
             <a:endParaRPr lang="tr-TR"/>
           </a:p>
@@ -801,7 +801,7 @@
     </p:spTree>
     <p:extLst>
       <p:ext uri="{BB962C8B-B14F-4D97-AF65-F5344CB8AC3E}">
-        <p14:creationId xmlns:p14="http://schemas.microsoft.com/office/powerpoint/2010/main" val="3196776698"/>
+        <p14:creationId xmlns:p14="http://schemas.microsoft.com/office/powerpoint/2010/main" val="39644430"/>
       </p:ext>
     </p:extLst>
   </p:cSld>
@@ -876,7 +876,7 @@
           <a:p>
             <a:fld id="{F3DFF3B7-CDDD-40F1-9E00-2CA7C72128F3}" type="slidenum">
               <a:rPr lang="tr-TR" smtClean="0"/>
-              <a:t>8</a:t>
+              <a:t>7</a:t>
             </a:fld>
             <a:endParaRPr lang="tr-TR"/>
           </a:p>
@@ -885,7 +885,7 @@
     </p:spTree>
     <p:extLst>
       <p:ext uri="{BB962C8B-B14F-4D97-AF65-F5344CB8AC3E}">
-        <p14:creationId xmlns:p14="http://schemas.microsoft.com/office/powerpoint/2010/main" val="419328806"/>
+        <p14:creationId xmlns:p14="http://schemas.microsoft.com/office/powerpoint/2010/main" val="3196776698"/>
       </p:ext>
     </p:extLst>
   </p:cSld>
@@ -960,6 +960,90 @@
           <a:p>
             <a:fld id="{F3DFF3B7-CDDD-40F1-9E00-2CA7C72128F3}" type="slidenum">
               <a:rPr lang="tr-TR" smtClean="0"/>
+              <a:t>8</a:t>
+            </a:fld>
+            <a:endParaRPr lang="tr-TR"/>
+          </a:p>
+        </p:txBody>
+      </p:sp>
+    </p:spTree>
+    <p:extLst>
+      <p:ext uri="{BB962C8B-B14F-4D97-AF65-F5344CB8AC3E}">
+        <p14:creationId xmlns:p14="http://schemas.microsoft.com/office/powerpoint/2010/main" val="419328806"/>
+      </p:ext>
+    </p:extLst>
+  </p:cSld>
+  <p:clrMapOvr>
+    <a:masterClrMapping/>
+  </p:clrMapOvr>
+</p:notes>
+</file>
+
+<file path=ppt/notesSlides/notesSlide7.xml><?xml version="1.0" encoding="utf-8"?>
+<p:notes xmlns:a="http://schemas.openxmlformats.org/drawingml/2006/main" xmlns:r="http://schemas.openxmlformats.org/officeDocument/2006/relationships" xmlns:p="http://schemas.openxmlformats.org/presentationml/2006/main">
+  <p:cSld>
+    <p:spTree>
+      <p:nvGrpSpPr>
+        <p:cNvPr id="1" name=""/>
+        <p:cNvGrpSpPr/>
+        <p:nvPr/>
+      </p:nvGrpSpPr>
+      <p:grpSpPr>
+        <a:xfrm>
+          <a:off x="0" y="0"/>
+          <a:ext cx="0" cy="0"/>
+          <a:chOff x="0" y="0"/>
+          <a:chExt cx="0" cy="0"/>
+        </a:xfrm>
+      </p:grpSpPr>
+      <p:sp>
+        <p:nvSpPr>
+          <p:cNvPr id="2" name="Slide Image Placeholder 1"/>
+          <p:cNvSpPr>
+            <a:spLocks noGrp="1" noRot="1" noChangeAspect="1"/>
+          </p:cNvSpPr>
+          <p:nvPr>
+            <p:ph type="sldImg"/>
+          </p:nvPr>
+        </p:nvSpPr>
+        <p:spPr/>
+      </p:sp>
+      <p:sp>
+        <p:nvSpPr>
+          <p:cNvPr id="3" name="Notes Placeholder 2"/>
+          <p:cNvSpPr>
+            <a:spLocks noGrp="1"/>
+          </p:cNvSpPr>
+          <p:nvPr>
+            <p:ph type="body" idx="1"/>
+          </p:nvPr>
+        </p:nvSpPr>
+        <p:spPr/>
+        <p:txBody>
+          <a:bodyPr/>
+          <a:lstStyle/>
+          <a:p>
+            <a:endParaRPr lang="en-US"/>
+          </a:p>
+        </p:txBody>
+      </p:sp>
+      <p:sp>
+        <p:nvSpPr>
+          <p:cNvPr id="4" name="Slide Number Placeholder 3"/>
+          <p:cNvSpPr>
+            <a:spLocks noGrp="1"/>
+          </p:cNvSpPr>
+          <p:nvPr>
+            <p:ph type="sldNum" sz="quarter" idx="10"/>
+          </p:nvPr>
+        </p:nvSpPr>
+        <p:spPr/>
+        <p:txBody>
+          <a:bodyPr/>
+          <a:lstStyle/>
+          <a:p>
+            <a:fld id="{F3DFF3B7-CDDD-40F1-9E00-2CA7C72128F3}" type="slidenum">
+              <a:rPr lang="tr-TR" smtClean="0"/>
               <a:t>10</a:t>
             </a:fld>
             <a:endParaRPr lang="tr-TR"/>
@@ -979,7 +1063,7 @@
 </p:notes>
 </file>
 
-<file path=ppt/notesSlides/notesSlide7.xml><?xml version="1.0" encoding="utf-8"?>
+<file path=ppt/notesSlides/notesSlide8.xml><?xml version="1.0" encoding="utf-8"?>
 <p:notes xmlns:a="http://schemas.openxmlformats.org/drawingml/2006/main" xmlns:r="http://schemas.openxmlformats.org/officeDocument/2006/relationships" xmlns:p="http://schemas.openxmlformats.org/presentationml/2006/main">
   <p:cSld>
     <p:spTree>
@@ -4612,7 +4696,7 @@
       </a:lvl9pPr>
     </p:otherStyle>
   </p:txStyles>
-  <p:extLst mod="1">
+  <p:extLst>
     <p:ext uri="{27BBF7A9-308A-43DC-89C8-2F10F3537804}">
       <p15:sldGuideLst xmlns:p15="http://schemas.microsoft.com/office/powerpoint/2012/main"/>
     </p:ext>
@@ -4661,9 +4745,10 @@
           <a:lstStyle/>
           <a:p>
             <a:r>
-              <a:rPr lang="tr-TR" sz="5400" dirty="0"/>
-              <a:t>Handan YARICI</a:t>
-            </a:r>
+              <a:rPr lang="en-US" sz="5400" dirty="0"/>
+              <a:t>Volkan TUYJI</a:t>
+            </a:r>
+            <a:endParaRPr lang="tr-TR" sz="5400" dirty="0"/>
           </a:p>
         </p:txBody>
       </p:sp>
@@ -4696,9 +4781,10 @@
           <a:lstStyle/>
           <a:p>
             <a:r>
-              <a:rPr lang="tr-TR" sz="4200" dirty="0"/>
-              <a:t>Senıor Software Engıneer</a:t>
-            </a:r>
+              <a:rPr lang="en-US" sz="4200" dirty="0"/>
+              <a:t>SOFTWARE CONSULTANT / ARCHITECT</a:t>
+            </a:r>
+            <a:endParaRPr lang="tr-TR" sz="4200" dirty="0"/>
           </a:p>
           <a:p>
             <a:pPr>
@@ -4741,170 +4827,6 @@
           </a:p>
           <a:p>
             <a:endParaRPr lang="tr-TR" cap="none" dirty="0"/>
-          </a:p>
-        </p:txBody>
-      </p:sp>
-      <p:pic>
-        <p:nvPicPr>
-          <p:cNvPr id="4098" name="Picture 2" descr="İlgili resim">
-            <a:extLst>
-              <a:ext uri="{FF2B5EF4-FFF2-40B4-BE49-F238E27FC236}">
-                <a16:creationId xmlns:a16="http://schemas.microsoft.com/office/drawing/2014/main" id="{A6DD29CC-332F-4E5D-B201-18EFCAB6B83D}"/>
-              </a:ext>
-            </a:extLst>
-          </p:cNvPr>
-          <p:cNvPicPr>
-            <a:picLocks noChangeAspect="1" noChangeArrowheads="1"/>
-          </p:cNvPicPr>
-          <p:nvPr/>
-        </p:nvPicPr>
-        <p:blipFill>
-          <a:blip r:embed="rId2" cstate="hqprint">
-            <a:extLst>
-              <a:ext uri="{28A0092B-C50C-407E-A947-70E740481C1C}">
-                <a14:useLocalDpi xmlns:a14="http://schemas.microsoft.com/office/drawing/2010/main" val="0"/>
-              </a:ext>
-            </a:extLst>
-          </a:blip>
-          <a:srcRect/>
-          <a:stretch>
-            <a:fillRect/>
-          </a:stretch>
-        </p:blipFill>
-        <p:spPr bwMode="auto">
-          <a:xfrm>
-            <a:off x="8640416" y="5043316"/>
-            <a:ext cx="212036" cy="274840"/>
-          </a:xfrm>
-          <a:prstGeom prst="rect">
-            <a:avLst/>
-          </a:prstGeom>
-          <a:noFill/>
-          <a:extLst>
-            <a:ext uri="{909E8E84-426E-40DD-AFC4-6F175D3DCCD1}">
-              <a14:hiddenFill xmlns:a14="http://schemas.microsoft.com/office/drawing/2010/main">
-                <a:solidFill>
-                  <a:srgbClr val="FFFFFF"/>
-                </a:solidFill>
-              </a14:hiddenFill>
-            </a:ext>
-          </a:extLst>
-        </p:spPr>
-      </p:pic>
-      <p:sp>
-        <p:nvSpPr>
-          <p:cNvPr id="4" name="Metin kutusu 3">
-            <a:extLst>
-              <a:ext uri="{FF2B5EF4-FFF2-40B4-BE49-F238E27FC236}">
-                <a16:creationId xmlns:a16="http://schemas.microsoft.com/office/drawing/2014/main" id="{DAC5B2A2-6239-470C-B0AE-28F7E44D0BE7}"/>
-              </a:ext>
-            </a:extLst>
-          </p:cNvPr>
-          <p:cNvSpPr txBox="1"/>
-          <p:nvPr/>
-        </p:nvSpPr>
-        <p:spPr>
-          <a:xfrm>
-            <a:off x="8852452" y="4996070"/>
-            <a:ext cx="2902226" cy="369332"/>
-          </a:xfrm>
-          <a:prstGeom prst="rect">
-            <a:avLst/>
-          </a:prstGeom>
-          <a:noFill/>
-        </p:spPr>
-        <p:txBody>
-          <a:bodyPr wrap="square" rtlCol="0">
-            <a:spAutoFit/>
-          </a:bodyPr>
-          <a:lstStyle/>
-          <a:p>
-            <a:r>
-              <a:rPr lang="tr-TR" dirty="0"/>
-              <a:t>linkedin.com/in/handanyarici</a:t>
-            </a:r>
-          </a:p>
-        </p:txBody>
-      </p:sp>
-      <p:pic>
-        <p:nvPicPr>
-          <p:cNvPr id="4100" name="Picture 4" descr="github ile ilgili görsel sonucu">
-            <a:extLst>
-              <a:ext uri="{FF2B5EF4-FFF2-40B4-BE49-F238E27FC236}">
-                <a16:creationId xmlns:a16="http://schemas.microsoft.com/office/drawing/2014/main" id="{668E71A2-CD73-46F4-A6F2-AD420734634D}"/>
-              </a:ext>
-            </a:extLst>
-          </p:cNvPr>
-          <p:cNvPicPr>
-            <a:picLocks noChangeAspect="1" noChangeArrowheads="1"/>
-          </p:cNvPicPr>
-          <p:nvPr/>
-        </p:nvPicPr>
-        <p:blipFill>
-          <a:blip r:embed="rId3" cstate="hqprint">
-            <a:extLst>
-              <a:ext uri="{28A0092B-C50C-407E-A947-70E740481C1C}">
-                <a14:useLocalDpi xmlns:a14="http://schemas.microsoft.com/office/drawing/2010/main" val="0"/>
-              </a:ext>
-            </a:extLst>
-          </a:blip>
-          <a:srcRect/>
-          <a:stretch>
-            <a:fillRect/>
-          </a:stretch>
-        </p:blipFill>
-        <p:spPr bwMode="auto">
-          <a:xfrm>
-            <a:off x="8362121" y="5421400"/>
-            <a:ext cx="887105" cy="443553"/>
-          </a:xfrm>
-          <a:prstGeom prst="rect">
-            <a:avLst/>
-          </a:prstGeom>
-          <a:noFill/>
-          <a:extLst>
-            <a:ext uri="{909E8E84-426E-40DD-AFC4-6F175D3DCCD1}">
-              <a14:hiddenFill xmlns:a14="http://schemas.microsoft.com/office/drawing/2010/main">
-                <a:solidFill>
-                  <a:srgbClr val="FFFFFF"/>
-                </a:solidFill>
-              </a14:hiddenFill>
-            </a:ext>
-          </a:extLst>
-        </p:spPr>
-      </p:pic>
-      <p:sp>
-        <p:nvSpPr>
-          <p:cNvPr id="5" name="Metin kutusu 4">
-            <a:extLst>
-              <a:ext uri="{FF2B5EF4-FFF2-40B4-BE49-F238E27FC236}">
-                <a16:creationId xmlns:a16="http://schemas.microsoft.com/office/drawing/2014/main" id="{A5DF2B4E-4BC0-4948-9966-232899755A30}"/>
-              </a:ext>
-            </a:extLst>
-          </p:cNvPr>
-          <p:cNvSpPr txBox="1"/>
-          <p:nvPr/>
-        </p:nvSpPr>
-        <p:spPr>
-          <a:xfrm>
-            <a:off x="9024730" y="5421400"/>
-            <a:ext cx="2438400" cy="369332"/>
-          </a:xfrm>
-          <a:prstGeom prst="rect">
-            <a:avLst/>
-          </a:prstGeom>
-          <a:noFill/>
-        </p:spPr>
-        <p:txBody>
-          <a:bodyPr wrap="square" rtlCol="0">
-            <a:spAutoFit/>
-          </a:bodyPr>
-          <a:lstStyle/>
-          <a:p>
-            <a:r>
-              <a:rPr lang="tr-TR" dirty="0"/>
-              <a:t>github.com/handanyarici</a:t>
-            </a:r>
           </a:p>
         </p:txBody>
       </p:sp>
@@ -6195,118 +6117,6 @@
           </a:p>
         </p:txBody>
       </p:sp>
-      <p:pic>
-        <p:nvPicPr>
-          <p:cNvPr id="4" name="Resim 3">
-            <a:extLst>
-              <a:ext uri="{FF2B5EF4-FFF2-40B4-BE49-F238E27FC236}">
-                <a16:creationId xmlns:a16="http://schemas.microsoft.com/office/drawing/2014/main" id="{7EBD84EC-9655-4A4A-B680-AD8687D1CB90}"/>
-              </a:ext>
-            </a:extLst>
-          </p:cNvPr>
-          <p:cNvPicPr>
-            <a:picLocks noChangeAspect="1"/>
-          </p:cNvPicPr>
-          <p:nvPr/>
-        </p:nvPicPr>
-        <p:blipFill>
-          <a:blip r:embed="rId3"/>
-          <a:stretch>
-            <a:fillRect/>
-          </a:stretch>
-        </p:blipFill>
-        <p:spPr>
-          <a:xfrm>
-            <a:off x="7926243" y="4585252"/>
-            <a:ext cx="3389670" cy="784484"/>
-          </a:xfrm>
-          <a:prstGeom prst="rect">
-            <a:avLst/>
-          </a:prstGeom>
-        </p:spPr>
-      </p:pic>
-      <p:sp>
-        <p:nvSpPr>
-          <p:cNvPr id="5" name="Metin kutusu 4">
-            <a:extLst>
-              <a:ext uri="{FF2B5EF4-FFF2-40B4-BE49-F238E27FC236}">
-                <a16:creationId xmlns:a16="http://schemas.microsoft.com/office/drawing/2014/main" id="{7D18442F-03DB-48A8-A1D6-4BD419280380}"/>
-              </a:ext>
-            </a:extLst>
-          </p:cNvPr>
-          <p:cNvSpPr txBox="1"/>
-          <p:nvPr/>
-        </p:nvSpPr>
-        <p:spPr>
-          <a:xfrm>
-            <a:off x="8388627" y="4215920"/>
-            <a:ext cx="3389670" cy="369332"/>
-          </a:xfrm>
-          <a:prstGeom prst="rect">
-            <a:avLst/>
-          </a:prstGeom>
-          <a:noFill/>
-        </p:spPr>
-        <p:txBody>
-          <a:bodyPr wrap="square" rtlCol="0">
-            <a:spAutoFit/>
-          </a:bodyPr>
-          <a:lstStyle/>
-          <a:p>
-            <a:r>
-              <a:rPr lang="tr-TR" dirty="0"/>
-              <a:t>handanyarici@gmail.com</a:t>
-            </a:r>
-          </a:p>
-        </p:txBody>
-      </p:sp>
-      <p:pic>
-        <p:nvPicPr>
-          <p:cNvPr id="5128" name="Picture 8" descr="Görsel sonucu">
-            <a:extLst>
-              <a:ext uri="{FF2B5EF4-FFF2-40B4-BE49-F238E27FC236}">
-                <a16:creationId xmlns:a16="http://schemas.microsoft.com/office/drawing/2014/main" id="{97302985-C5D0-448B-ABE6-5F95F776A39E}"/>
-              </a:ext>
-            </a:extLst>
-          </p:cNvPr>
-          <p:cNvPicPr>
-            <a:picLocks noChangeAspect="1" noChangeArrowheads="1"/>
-          </p:cNvPicPr>
-          <p:nvPr/>
-        </p:nvPicPr>
-        <p:blipFill>
-          <a:blip r:embed="rId4" cstate="hqprint">
-            <a:extLst>
-              <a:ext uri="{28A0092B-C50C-407E-A947-70E740481C1C}">
-                <a14:useLocalDpi xmlns:a14="http://schemas.microsoft.com/office/drawing/2010/main" val="0"/>
-              </a:ext>
-            </a:extLst>
-          </a:blip>
-          <a:srcRect/>
-          <a:stretch>
-            <a:fillRect/>
-          </a:stretch>
-        </p:blipFill>
-        <p:spPr bwMode="auto">
-          <a:xfrm flipH="1">
-            <a:off x="8169716" y="4319589"/>
-            <a:ext cx="218911" cy="161994"/>
-          </a:xfrm>
-          <a:prstGeom prst="rect">
-            <a:avLst/>
-          </a:prstGeom>
-          <a:noFill/>
-          <a:extLst>
-            <a:ext uri="{909E8E84-426E-40DD-AFC4-6F175D3DCCD1}">
-              <a14:hiddenFill xmlns:a14="http://schemas.microsoft.com/office/drawing/2010/main">
-                <a:solidFill>
-                  <a:srgbClr val="FFFFFF"/>
-                </a:solidFill>
-              </a14:hiddenFill>
-            </a:ext>
-          </a:extLst>
-        </p:spPr>
-      </p:pic>
       <p:sp>
         <p:nvSpPr>
           <p:cNvPr id="3" name="Date Placeholder 2">
@@ -8311,7 +8121,7 @@
         </p:spPr>
         <p:txBody>
           <a:bodyPr>
-            <a:normAutofit lnSpcReduction="10000"/>
+            <a:normAutofit/>
           </a:bodyPr>
           <a:lstStyle/>
           <a:p>
@@ -8536,7 +8346,7 @@
         </p:spPr>
         <p:txBody>
           <a:bodyPr>
-            <a:normAutofit lnSpcReduction="10000"/>
+            <a:normAutofit/>
           </a:bodyPr>
           <a:lstStyle/>
           <a:p>
@@ -10104,7 +9914,7 @@
         </p:spPr>
         <p:txBody>
           <a:bodyPr>
-            <a:normAutofit fontScale="92500"/>
+            <a:normAutofit/>
           </a:bodyPr>
           <a:lstStyle/>
           <a:p>
